--- a/22_EvaluationMetrics.pptx
+++ b/22_EvaluationMetrics.pptx
@@ -216,7 +216,7 @@
             <a:fld id="{6837EDA8-41C8-4B24-A206-13C08A65A6D7}" type="datetimeFigureOut">
               <a:rPr lang="zh-TW" altLang="en-US" smtClean="0"/>
               <a:pPr/>
-              <a:t>2020/6/20</a:t>
+              <a:t>2020/6/21</a:t>
             </a:fld>
             <a:endParaRPr lang="zh-TW" altLang="en-US"/>
           </a:p>
@@ -669,7 +669,7 @@
             <a:fld id="{8B85509C-BD4F-47BF-9B1E-FC2E949B3621}" type="datetime1">
               <a:rPr lang="zh-TW" altLang="en-US" smtClean="0"/>
               <a:pPr/>
-              <a:t>2020/6/20</a:t>
+              <a:t>2020/6/21</a:t>
             </a:fld>
             <a:endParaRPr lang="zh-TW" altLang="en-US"/>
           </a:p>
@@ -842,7 +842,7 @@
             <a:fld id="{42251B24-F787-4C15-8A0F-7AEC20C70069}" type="datetime1">
               <a:rPr lang="zh-TW" altLang="en-US" smtClean="0"/>
               <a:pPr/>
-              <a:t>2020/6/20</a:t>
+              <a:t>2020/6/21</a:t>
             </a:fld>
             <a:endParaRPr lang="zh-TW" altLang="en-US"/>
           </a:p>
@@ -1017,7 +1017,7 @@
             <a:fld id="{9CA0D33C-CE2B-45F1-B8D4-FFD1F131F331}" type="datetime1">
               <a:rPr lang="zh-TW" altLang="en-US" smtClean="0"/>
               <a:pPr/>
-              <a:t>2020/6/20</a:t>
+              <a:t>2020/6/21</a:t>
             </a:fld>
             <a:endParaRPr lang="zh-TW" altLang="en-US"/>
           </a:p>
@@ -1182,7 +1182,7 @@
             <a:fld id="{50B99440-D9EF-40CC-9B52-F6428D9B2C76}" type="datetime1">
               <a:rPr lang="zh-TW" altLang="en-US" smtClean="0"/>
               <a:pPr/>
-              <a:t>2020/6/20</a:t>
+              <a:t>2020/6/21</a:t>
             </a:fld>
             <a:endParaRPr lang="zh-TW" altLang="en-US"/>
           </a:p>
@@ -1424,7 +1424,7 @@
             <a:fld id="{0871BF52-5C6C-4959-8E27-CECB68D39FE4}" type="datetime1">
               <a:rPr lang="zh-TW" altLang="en-US" smtClean="0"/>
               <a:pPr/>
-              <a:t>2020/6/20</a:t>
+              <a:t>2020/6/21</a:t>
             </a:fld>
             <a:endParaRPr lang="zh-TW" altLang="en-US"/>
           </a:p>
@@ -1706,7 +1706,7 @@
             <a:fld id="{DF863F05-2DD9-4EB1-A827-12FD992DE9DC}" type="datetime1">
               <a:rPr lang="zh-TW" altLang="en-US" smtClean="0"/>
               <a:pPr/>
-              <a:t>2020/6/20</a:t>
+              <a:t>2020/6/21</a:t>
             </a:fld>
             <a:endParaRPr lang="zh-TW" altLang="en-US"/>
           </a:p>
@@ -2122,7 +2122,7 @@
             <a:fld id="{6339AF51-4491-4873-A096-75DB6CE47516}" type="datetime1">
               <a:rPr lang="zh-TW" altLang="en-US" smtClean="0"/>
               <a:pPr/>
-              <a:t>2020/6/20</a:t>
+              <a:t>2020/6/21</a:t>
             </a:fld>
             <a:endParaRPr lang="zh-TW" altLang="en-US"/>
           </a:p>
@@ -2236,7 +2236,7 @@
             <a:fld id="{EE4AD9C8-8B9E-40FF-ABE2-858AC2057BBB}" type="datetime1">
               <a:rPr lang="zh-TW" altLang="en-US" smtClean="0"/>
               <a:pPr/>
-              <a:t>2020/6/20</a:t>
+              <a:t>2020/6/21</a:t>
             </a:fld>
             <a:endParaRPr lang="zh-TW" altLang="en-US"/>
           </a:p>
@@ -2328,7 +2328,7 @@
             <a:fld id="{B4784999-BBBE-4BE4-A8D0-877E7D1D66CC}" type="datetime1">
               <a:rPr lang="zh-TW" altLang="en-US" smtClean="0"/>
               <a:pPr/>
-              <a:t>2020/6/20</a:t>
+              <a:t>2020/6/21</a:t>
             </a:fld>
             <a:endParaRPr lang="zh-TW" altLang="en-US"/>
           </a:p>
@@ -2600,7 +2600,7 @@
             <a:fld id="{E88D17E6-02BD-4944-B9FE-7BFCCBF83D48}" type="datetime1">
               <a:rPr lang="zh-TW" altLang="en-US" smtClean="0"/>
               <a:pPr/>
-              <a:t>2020/6/20</a:t>
+              <a:t>2020/6/21</a:t>
             </a:fld>
             <a:endParaRPr lang="zh-TW" altLang="en-US"/>
           </a:p>
@@ -2849,7 +2849,7 @@
             <a:fld id="{3C13E23D-1FEF-4D78-A3A3-3D6F2BB31954}" type="datetime1">
               <a:rPr lang="zh-TW" altLang="en-US" smtClean="0"/>
               <a:pPr/>
-              <a:t>2020/6/20</a:t>
+              <a:t>2020/6/21</a:t>
             </a:fld>
             <a:endParaRPr lang="zh-TW" altLang="en-US"/>
           </a:p>
@@ -3057,7 +3057,7 @@
             <a:fld id="{06197F35-AD6F-4594-8B50-334492D2E7E8}" type="datetime1">
               <a:rPr lang="zh-TW" altLang="en-US" smtClean="0"/>
               <a:pPr/>
-              <a:t>2020/6/20</a:t>
+              <a:t>2020/6/21</a:t>
             </a:fld>
             <a:endParaRPr lang="zh-TW" altLang="en-US"/>
           </a:p>
@@ -3518,7 +3518,7 @@
             <a:fld id="{C389EDC9-19E3-47AC-9C57-C6A24DEA81AD}" type="datetime1">
               <a:rPr lang="zh-TW" altLang="en-US" smtClean="0"/>
               <a:pPr/>
-              <a:t>2020/6/20</a:t>
+              <a:t>2020/6/21</a:t>
             </a:fld>
             <a:endParaRPr lang="zh-TW" altLang="en-US"/>
           </a:p>
@@ -3777,7 +3777,7 @@
         </p:spPr>
         <p:txBody>
           <a:bodyPr vert="horz" lIns="91440" tIns="45720" rIns="91440" bIns="45720" rtlCol="0" anchor="ctr">
-            <a:normAutofit fontScale="92500"/>
+            <a:normAutofit/>
           </a:bodyPr>
           <a:lstStyle/>
           <a:p>
@@ -3790,7 +3790,7 @@
               <a:rPr lang="en-US" sz="1600" dirty="0">
                 <a:hlinkClick r:id="rId2"/>
               </a:rPr>
-              <a:t>https://www.youtube.com/watch?v=PKEPmVn7sDM&amp;list=PL1w8k37X_6L-fBgXCiCsn6ugDsr1Nmfqk&amp;index=21</a:t>
+              <a:t>https://www.youtube.com/watch?v=bsv_pCFAAuQ&amp;list=PL1w8k37X_6L-fBgXCiCsn6ugDsr1Nmfqk&amp;index=22</a:t>
             </a:r>
             <a:endParaRPr lang="zh-TW" altLang="en-US" sz="1600" dirty="0"/>
           </a:p>
@@ -3814,7 +3814,7 @@
             <a:fld id="{A4F910E6-8D00-4BAF-8C48-9688E0B449D3}" type="datetime1">
               <a:rPr lang="zh-TW" altLang="en-US" smtClean="0"/>
               <a:pPr/>
-              <a:t>2020/6/20</a:t>
+              <a:t>2020/6/21</a:t>
             </a:fld>
             <a:endParaRPr lang="zh-TW" altLang="en-US"/>
           </a:p>
@@ -4767,7 +4767,7 @@
         </p:spPr>
         <p:txBody>
           <a:bodyPr vert="horz" lIns="91440" tIns="45720" rIns="91440" bIns="45720" rtlCol="0" anchor="ctr">
-            <a:normAutofit fontScale="92500"/>
+            <a:normAutofit/>
           </a:bodyPr>
           <a:lstStyle/>
           <a:p>
@@ -4780,7 +4780,7 @@
               <a:rPr lang="en-US" sz="1600" dirty="0">
                 <a:hlinkClick r:id="rId2"/>
               </a:rPr>
-              <a:t>https://www.youtube.com/watch?v=PKEPmVn7sDM&amp;list=PL1w8k37X_6L-fBgXCiCsn6ugDsr1Nmfqk&amp;index=21</a:t>
+              <a:t>https://www.youtube.com/watch?v=bsv_pCFAAuQ&amp;list=PL1w8k37X_6L-fBgXCiCsn6ugDsr1Nmfqk&amp;index=22</a:t>
             </a:r>
             <a:endParaRPr lang="zh-TW" altLang="en-US" sz="1600" dirty="0"/>
           </a:p>
@@ -4804,7 +4804,7 @@
             <a:fld id="{A4F910E6-8D00-4BAF-8C48-9688E0B449D3}" type="datetime1">
               <a:rPr lang="zh-TW" altLang="en-US" smtClean="0"/>
               <a:pPr/>
-              <a:t>2020/6/20</a:t>
+              <a:t>2020/6/21</a:t>
             </a:fld>
             <a:endParaRPr lang="zh-TW" altLang="en-US"/>
           </a:p>
@@ -4834,8 +4834,8 @@
           </a:p>
         </p:txBody>
       </p:sp>
-      <mc:AlternateContent xmlns:mc="http://schemas.openxmlformats.org/markup-compatibility/2006">
-        <mc:Choice xmlns:a14="http://schemas.microsoft.com/office/drawing/2010/main" Requires="a14">
+      <mc:AlternateContent xmlns:mc="http://schemas.openxmlformats.org/markup-compatibility/2006" xmlns:a14="http://schemas.microsoft.com/office/drawing/2010/main">
+        <mc:Choice Requires="a14">
           <p:sp>
             <p:nvSpPr>
               <p:cNvPr id="7" name="TextBox 6">
@@ -4864,6 +4864,7 @@
               </a:bodyPr>
               <a:lstStyle/>
               <a:p>
+                <a:pPr/>
                 <a14:m>
                   <m:oMathPara xmlns:m="http://schemas.openxmlformats.org/officeDocument/2006/math">
                     <m:oMathParaPr>
@@ -4951,7 +4952,7 @@
             </p:txBody>
           </p:sp>
         </mc:Choice>
-        <mc:Fallback>
+        <mc:Fallback xmlns="">
           <p:sp>
             <p:nvSpPr>
               <p:cNvPr id="7" name="TextBox 6">
@@ -4996,8 +4997,8 @@
           </p:sp>
         </mc:Fallback>
       </mc:AlternateContent>
-      <mc:AlternateContent xmlns:mc="http://schemas.openxmlformats.org/markup-compatibility/2006">
-        <mc:Choice xmlns:a14="http://schemas.microsoft.com/office/drawing/2010/main" Requires="a14">
+      <mc:AlternateContent xmlns:mc="http://schemas.openxmlformats.org/markup-compatibility/2006" xmlns:a14="http://schemas.microsoft.com/office/drawing/2010/main">
+        <mc:Choice Requires="a14">
           <p:sp>
             <p:nvSpPr>
               <p:cNvPr id="21" name="TextBox 20">
@@ -5026,6 +5027,7 @@
               </a:bodyPr>
               <a:lstStyle/>
               <a:p>
+                <a:pPr/>
                 <a14:m>
                   <m:oMathPara xmlns:m="http://schemas.openxmlformats.org/officeDocument/2006/math">
                     <m:oMathParaPr>
@@ -5161,7 +5163,7 @@
             </p:txBody>
           </p:sp>
         </mc:Choice>
-        <mc:Fallback>
+        <mc:Fallback xmlns="">
           <p:sp>
             <p:nvSpPr>
               <p:cNvPr id="21" name="TextBox 20">
@@ -5206,8 +5208,8 @@
           </p:sp>
         </mc:Fallback>
       </mc:AlternateContent>
-      <mc:AlternateContent xmlns:mc="http://schemas.openxmlformats.org/markup-compatibility/2006">
-        <mc:Choice xmlns:a14="http://schemas.microsoft.com/office/drawing/2010/main" Requires="a14">
+      <mc:AlternateContent xmlns:mc="http://schemas.openxmlformats.org/markup-compatibility/2006" xmlns:a14="http://schemas.microsoft.com/office/drawing/2010/main">
+        <mc:Choice Requires="a14">
           <p:sp>
             <p:nvSpPr>
               <p:cNvPr id="34" name="TextBox 33">
@@ -5236,6 +5238,7 @@
               </a:bodyPr>
               <a:lstStyle/>
               <a:p>
+                <a:pPr/>
                 <a14:m>
                   <m:oMathPara xmlns:m="http://schemas.openxmlformats.org/officeDocument/2006/math">
                     <m:oMathParaPr>
@@ -5359,7 +5362,7 @@
             </p:txBody>
           </p:sp>
         </mc:Choice>
-        <mc:Fallback>
+        <mc:Fallback xmlns="">
           <p:sp>
             <p:nvSpPr>
               <p:cNvPr id="34" name="TextBox 33">
@@ -7502,7 +7505,7 @@
         </p:spPr>
         <p:txBody>
           <a:bodyPr vert="horz" lIns="91440" tIns="45720" rIns="91440" bIns="45720" rtlCol="0" anchor="ctr">
-            <a:normAutofit fontScale="92500"/>
+            <a:normAutofit/>
           </a:bodyPr>
           <a:lstStyle/>
           <a:p>
@@ -7515,7 +7518,7 @@
               <a:rPr lang="en-US" sz="1600" dirty="0">
                 <a:hlinkClick r:id="rId2"/>
               </a:rPr>
-              <a:t>https://www.youtube.com/watch?v=PKEPmVn7sDM&amp;list=PL1w8k37X_6L-fBgXCiCsn6ugDsr1Nmfqk&amp;index=21</a:t>
+              <a:t>https://www.youtube.com/watch?v=bsv_pCFAAuQ&amp;list=PL1w8k37X_6L-fBgXCiCsn6ugDsr1Nmfqk&amp;index=22</a:t>
             </a:r>
             <a:endParaRPr lang="zh-TW" altLang="en-US" sz="1600" dirty="0"/>
           </a:p>
@@ -7539,7 +7542,7 @@
             <a:fld id="{A4F910E6-8D00-4BAF-8C48-9688E0B449D3}" type="datetime1">
               <a:rPr lang="zh-TW" altLang="en-US" smtClean="0"/>
               <a:pPr/>
-              <a:t>2020/6/20</a:t>
+              <a:t>2020/6/21</a:t>
             </a:fld>
             <a:endParaRPr lang="zh-TW" altLang="en-US"/>
           </a:p>
@@ -7569,8 +7572,8 @@
           </a:p>
         </p:txBody>
       </p:sp>
-      <mc:AlternateContent xmlns:mc="http://schemas.openxmlformats.org/markup-compatibility/2006">
-        <mc:Choice xmlns:a14="http://schemas.microsoft.com/office/drawing/2010/main" Requires="a14">
+      <mc:AlternateContent xmlns:mc="http://schemas.openxmlformats.org/markup-compatibility/2006" xmlns:a14="http://schemas.microsoft.com/office/drawing/2010/main">
+        <mc:Choice Requires="a14">
           <p:sp>
             <p:nvSpPr>
               <p:cNvPr id="7" name="TextBox 6">
@@ -7720,7 +7723,7 @@
             </p:txBody>
           </p:sp>
         </mc:Choice>
-        <mc:Fallback>
+        <mc:Fallback xmlns="">
           <p:sp>
             <p:nvSpPr>
               <p:cNvPr id="7" name="TextBox 6">
@@ -7765,8 +7768,8 @@
           </p:sp>
         </mc:Fallback>
       </mc:AlternateContent>
-      <mc:AlternateContent xmlns:mc="http://schemas.openxmlformats.org/markup-compatibility/2006">
-        <mc:Choice xmlns:a14="http://schemas.microsoft.com/office/drawing/2010/main" Requires="a14">
+      <mc:AlternateContent xmlns:mc="http://schemas.openxmlformats.org/markup-compatibility/2006" xmlns:a14="http://schemas.microsoft.com/office/drawing/2010/main">
+        <mc:Choice Requires="a14">
           <p:sp>
             <p:nvSpPr>
               <p:cNvPr id="21" name="TextBox 20">
@@ -7958,7 +7961,7 @@
             </p:txBody>
           </p:sp>
         </mc:Choice>
-        <mc:Fallback>
+        <mc:Fallback xmlns="">
           <p:sp>
             <p:nvSpPr>
               <p:cNvPr id="21" name="TextBox 20">
@@ -8003,8 +8006,8 @@
           </p:sp>
         </mc:Fallback>
       </mc:AlternateContent>
-      <mc:AlternateContent xmlns:mc="http://schemas.openxmlformats.org/markup-compatibility/2006">
-        <mc:Choice xmlns:a14="http://schemas.microsoft.com/office/drawing/2010/main" Requires="a14">
+      <mc:AlternateContent xmlns:mc="http://schemas.openxmlformats.org/markup-compatibility/2006" xmlns:a14="http://schemas.microsoft.com/office/drawing/2010/main">
+        <mc:Choice Requires="a14">
           <p:sp>
             <p:nvSpPr>
               <p:cNvPr id="34" name="TextBox 33">
@@ -8036,76 +8039,110 @@
                 <a14:m>
                   <m:oMath xmlns:m="http://schemas.openxmlformats.org/officeDocument/2006/math">
                     <m:r>
-                      <a:rPr lang="en-US" b="0" i="1" smtClean="0"/>
+                      <a:rPr lang="en-US" b="0" i="1" smtClean="0">
+                        <a:latin typeface="Cambria Math" panose="02040503050406030204" pitchFamily="18" charset="0"/>
+                      </a:rPr>
                       <m:t>𝑅𝑒𝑐𝑎𝑙𝑙</m:t>
                     </m:r>
                     <m:r>
-                      <a:rPr lang="en-US" i="1" smtClean="0"/>
+                      <a:rPr lang="en-US" i="1" smtClean="0">
+                        <a:latin typeface="Cambria Math" panose="02040503050406030204" pitchFamily="18" charset="0"/>
+                      </a:rPr>
                       <m:t>=</m:t>
                     </m:r>
                     <m:f>
                       <m:fPr>
                         <m:ctrlPr>
-                          <a:rPr lang="en-US" i="1" smtClean="0"/>
+                          <a:rPr lang="en-US" i="1" smtClean="0">
+                            <a:latin typeface="Cambria Math" panose="02040503050406030204" pitchFamily="18" charset="0"/>
+                          </a:rPr>
                         </m:ctrlPr>
                       </m:fPr>
                       <m:num>
                         <m:r>
-                          <a:rPr lang="en-US" b="0" i="1" smtClean="0"/>
+                          <a:rPr lang="en-US" b="0" i="1" smtClean="0">
+                            <a:latin typeface="Cambria Math" panose="02040503050406030204" pitchFamily="18" charset="0"/>
+                          </a:rPr>
                           <m:t>#(</m:t>
                         </m:r>
                         <m:r>
-                          <a:rPr lang="en-US" b="0" i="1" smtClean="0"/>
+                          <a:rPr lang="en-US" b="0" i="1" smtClean="0">
+                            <a:latin typeface="Cambria Math" panose="02040503050406030204" pitchFamily="18" charset="0"/>
+                          </a:rPr>
                           <m:t>𝑝𝑟𝑒𝑑𝑖𝑐𝑡𝑒𝑑</m:t>
                         </m:r>
                         <m:r>
-                          <a:rPr lang="en-US" b="0" i="1" smtClean="0"/>
+                          <a:rPr lang="en-US" b="0" i="1" smtClean="0">
+                            <a:latin typeface="Cambria Math" panose="02040503050406030204" pitchFamily="18" charset="0"/>
+                          </a:rPr>
                           <m:t> </m:t>
                         </m:r>
                         <m:r>
-                          <a:rPr lang="en-US" b="0" i="1" smtClean="0"/>
+                          <a:rPr lang="en-US" b="0" i="1" smtClean="0">
+                            <a:latin typeface="Cambria Math" panose="02040503050406030204" pitchFamily="18" charset="0"/>
+                          </a:rPr>
                           <m:t>𝑎𝑠</m:t>
                         </m:r>
                         <m:r>
-                          <a:rPr lang="en-US" b="0" i="1" smtClean="0"/>
+                          <a:rPr lang="en-US" b="0" i="1" smtClean="0">
+                            <a:latin typeface="Cambria Math" panose="02040503050406030204" pitchFamily="18" charset="0"/>
+                          </a:rPr>
                           <m:t> </m:t>
                         </m:r>
                         <m:r>
-                          <a:rPr lang="en-US" b="0" i="1" smtClean="0"/>
+                          <a:rPr lang="en-US" b="0" i="1" smtClean="0">
+                            <a:latin typeface="Cambria Math" panose="02040503050406030204" pitchFamily="18" charset="0"/>
+                          </a:rPr>
                           <m:t>𝑆𝑝𝑎𝑚</m:t>
                         </m:r>
                         <m:r>
-                          <a:rPr lang="en-US" b="0" i="1" smtClean="0"/>
+                          <a:rPr lang="en-US" b="0" i="1" smtClean="0">
+                            <a:latin typeface="Cambria Math" panose="02040503050406030204" pitchFamily="18" charset="0"/>
+                          </a:rPr>
                           <m:t> </m:t>
                         </m:r>
                         <m:r>
-                          <a:rPr lang="en-US" b="0" i="1" smtClean="0"/>
+                          <a:rPr lang="en-US" b="0" i="1" smtClean="0">
+                            <a:latin typeface="Cambria Math" panose="02040503050406030204" pitchFamily="18" charset="0"/>
+                          </a:rPr>
                           <m:t>𝑐𝑜𝑟𝑟𝑒𝑐𝑡𝑙𝑦</m:t>
                         </m:r>
                         <m:r>
-                          <a:rPr lang="en-US" b="0" i="1" smtClean="0"/>
+                          <a:rPr lang="en-US" b="0" i="1" smtClean="0">
+                            <a:latin typeface="Cambria Math" panose="02040503050406030204" pitchFamily="18" charset="0"/>
+                          </a:rPr>
                           <m:t>)</m:t>
                         </m:r>
                       </m:num>
                       <m:den>
                         <m:r>
-                          <a:rPr lang="en-US" b="0" i="1" smtClean="0"/>
+                          <a:rPr lang="en-US" b="0" i="1" smtClean="0">
+                            <a:latin typeface="Cambria Math" panose="02040503050406030204" pitchFamily="18" charset="0"/>
+                          </a:rPr>
                           <m:t>#(</m:t>
                         </m:r>
                         <m:r>
-                          <a:rPr lang="en-US" b="0" i="1" smtClean="0"/>
+                          <a:rPr lang="en-US" b="0" i="1" smtClean="0">
+                            <a:latin typeface="Cambria Math" panose="02040503050406030204" pitchFamily="18" charset="0"/>
+                          </a:rPr>
                           <m:t>𝐴𝑐𝑡𝑢𝑎𝑙𝑙𝑦</m:t>
                         </m:r>
                         <m:r>
-                          <a:rPr lang="en-US" b="0" i="1" smtClean="0"/>
+                          <a:rPr lang="en-US" b="0" i="1" smtClean="0">
+                            <a:latin typeface="Cambria Math" panose="02040503050406030204" pitchFamily="18" charset="0"/>
+                          </a:rPr>
                           <m:t>  </m:t>
                         </m:r>
                         <m:r>
-                          <a:rPr lang="en-US" b="0" i="1" smtClean="0"/>
+                          <a:rPr lang="en-US" b="0" i="1" smtClean="0">
+                            <a:latin typeface="Cambria Math" panose="02040503050406030204" pitchFamily="18" charset="0"/>
+                          </a:rPr>
                           <m:t>𝑆𝑝𝑎𝑚</m:t>
                         </m:r>
                         <m:r>
-                          <a:rPr lang="en-US" b="0" i="1" smtClean="0"/>
+                          <a:rPr lang="en-US" b="0" i="1" smtClean="0">
+                            <a:latin typeface="Cambria Math" panose="02040503050406030204" pitchFamily="18" charset="0"/>
+                          </a:rPr>
                           <m:t>)</m:t>
                         </m:r>
                       </m:den>
@@ -8121,18 +8158,24 @@
                     <m:f>
                       <m:fPr>
                         <m:ctrlPr>
-                          <a:rPr lang="en-US" i="1"/>
+                          <a:rPr lang="en-US" i="1">
+                            <a:latin typeface="Cambria Math" panose="02040503050406030204" pitchFamily="18" charset="0"/>
+                          </a:rPr>
                         </m:ctrlPr>
                       </m:fPr>
                       <m:num>
                         <m:r>
-                          <a:rPr lang="en-US" b="0" i="1" smtClean="0"/>
+                          <a:rPr lang="en-US" b="0" i="1" smtClean="0">
+                            <a:latin typeface="Cambria Math" panose="02040503050406030204" pitchFamily="18" charset="0"/>
+                          </a:rPr>
                           <m:t>6</m:t>
                         </m:r>
                       </m:num>
                       <m:den>
                         <m:r>
-                          <a:rPr lang="en-US" b="0" i="1" smtClean="0"/>
+                          <a:rPr lang="en-US" b="0" i="1" smtClean="0">
+                            <a:latin typeface="Cambria Math" panose="02040503050406030204" pitchFamily="18" charset="0"/>
+                          </a:rPr>
                           <m:t>9</m:t>
                         </m:r>
                       </m:den>
@@ -8144,7 +8187,7 @@
             </p:txBody>
           </p:sp>
         </mc:Choice>
-        <mc:Fallback>
+        <mc:Fallback xmlns="">
           <p:sp>
             <p:nvSpPr>
               <p:cNvPr id="34" name="TextBox 33">
@@ -10305,7 +10348,7 @@
         </p:spPr>
         <p:txBody>
           <a:bodyPr vert="horz" lIns="91440" tIns="45720" rIns="91440" bIns="45720" rtlCol="0" anchor="ctr">
-            <a:normAutofit fontScale="92500"/>
+            <a:normAutofit/>
           </a:bodyPr>
           <a:lstStyle/>
           <a:p>
@@ -10318,7 +10361,7 @@
               <a:rPr lang="en-US" sz="1600" dirty="0">
                 <a:hlinkClick r:id="rId2"/>
               </a:rPr>
-              <a:t>https://www.youtube.com/watch?v=PKEPmVn7sDM&amp;list=PL1w8k37X_6L-fBgXCiCsn6ugDsr1Nmfqk&amp;index=21</a:t>
+              <a:t>https://www.youtube.com/watch?v=bsv_pCFAAuQ&amp;list=PL1w8k37X_6L-fBgXCiCsn6ugDsr1Nmfqk&amp;index=22</a:t>
             </a:r>
             <a:endParaRPr lang="zh-TW" altLang="en-US" sz="1600" dirty="0"/>
           </a:p>
@@ -10342,7 +10385,7 @@
             <a:fld id="{A4F910E6-8D00-4BAF-8C48-9688E0B449D3}" type="datetime1">
               <a:rPr lang="zh-TW" altLang="en-US" smtClean="0"/>
               <a:pPr/>
-              <a:t>2020/6/20</a:t>
+              <a:t>2020/6/21</a:t>
             </a:fld>
             <a:endParaRPr lang="zh-TW" altLang="en-US"/>
           </a:p>
@@ -10934,8 +10977,8 @@
           </a:graphicData>
         </a:graphic>
       </p:graphicFrame>
-      <mc:AlternateContent xmlns:mc="http://schemas.openxmlformats.org/markup-compatibility/2006">
-        <mc:Choice xmlns:a14="http://schemas.microsoft.com/office/drawing/2010/main" Requires="a14">
+      <mc:AlternateContent xmlns:mc="http://schemas.openxmlformats.org/markup-compatibility/2006" xmlns:a14="http://schemas.microsoft.com/office/drawing/2010/main">
+        <mc:Choice Requires="a14">
           <p:sp>
             <p:nvSpPr>
               <p:cNvPr id="59" name="TextBox 58">
@@ -11088,7 +11131,7 @@
             </p:txBody>
           </p:sp>
         </mc:Choice>
-        <mc:Fallback>
+        <mc:Fallback xmlns="">
           <p:sp>
             <p:nvSpPr>
               <p:cNvPr id="59" name="TextBox 58">
@@ -11133,8 +11176,8 @@
           </p:sp>
         </mc:Fallback>
       </mc:AlternateContent>
-      <mc:AlternateContent xmlns:mc="http://schemas.openxmlformats.org/markup-compatibility/2006">
-        <mc:Choice xmlns:a14="http://schemas.microsoft.com/office/drawing/2010/main" Requires="a14">
+      <mc:AlternateContent xmlns:mc="http://schemas.openxmlformats.org/markup-compatibility/2006" xmlns:a14="http://schemas.microsoft.com/office/drawing/2010/main">
+        <mc:Choice Requires="a14">
           <p:sp>
             <p:nvSpPr>
               <p:cNvPr id="77" name="TextBox 76">
@@ -11332,7 +11375,7 @@
             </p:txBody>
           </p:sp>
         </mc:Choice>
-        <mc:Fallback>
+        <mc:Fallback xmlns="">
           <p:sp>
             <p:nvSpPr>
               <p:cNvPr id="77" name="TextBox 76">
@@ -11377,8 +11420,8 @@
           </p:sp>
         </mc:Fallback>
       </mc:AlternateContent>
-      <mc:AlternateContent xmlns:mc="http://schemas.openxmlformats.org/markup-compatibility/2006">
-        <mc:Choice xmlns:a14="http://schemas.microsoft.com/office/drawing/2010/main" Requires="a14">
+      <mc:AlternateContent xmlns:mc="http://schemas.openxmlformats.org/markup-compatibility/2006" xmlns:a14="http://schemas.microsoft.com/office/drawing/2010/main">
+        <mc:Choice Requires="a14">
           <p:sp>
             <p:nvSpPr>
               <p:cNvPr id="78" name="TextBox 77">
@@ -11410,76 +11453,110 @@
                 <a14:m>
                   <m:oMath xmlns:m="http://schemas.openxmlformats.org/officeDocument/2006/math">
                     <m:r>
-                      <a:rPr lang="en-US" b="0" i="1" smtClean="0"/>
+                      <a:rPr lang="en-US" b="0" i="1" smtClean="0">
+                        <a:latin typeface="Cambria Math" panose="02040503050406030204" pitchFamily="18" charset="0"/>
+                      </a:rPr>
                       <m:t>𝑅𝑒𝑐𝑎𝑙𝑙</m:t>
                     </m:r>
                     <m:r>
-                      <a:rPr lang="en-US" i="1" smtClean="0"/>
+                      <a:rPr lang="en-US" i="1" smtClean="0">
+                        <a:latin typeface="Cambria Math" panose="02040503050406030204" pitchFamily="18" charset="0"/>
+                      </a:rPr>
                       <m:t>=</m:t>
                     </m:r>
                     <m:f>
                       <m:fPr>
                         <m:ctrlPr>
-                          <a:rPr lang="en-US" i="1" smtClean="0"/>
+                          <a:rPr lang="en-US" i="1" smtClean="0">
+                            <a:latin typeface="Cambria Math" panose="02040503050406030204" pitchFamily="18" charset="0"/>
+                          </a:rPr>
                         </m:ctrlPr>
                       </m:fPr>
                       <m:num>
                         <m:r>
-                          <a:rPr lang="en-US" b="0" i="1" smtClean="0"/>
+                          <a:rPr lang="en-US" b="0" i="1" smtClean="0">
+                            <a:latin typeface="Cambria Math" panose="02040503050406030204" pitchFamily="18" charset="0"/>
+                          </a:rPr>
                           <m:t>#(</m:t>
                         </m:r>
                         <m:r>
-                          <a:rPr lang="en-US" b="0" i="1" smtClean="0"/>
+                          <a:rPr lang="en-US" b="0" i="1" smtClean="0">
+                            <a:latin typeface="Cambria Math" panose="02040503050406030204" pitchFamily="18" charset="0"/>
+                          </a:rPr>
                           <m:t>𝑝𝑟𝑒𝑑𝑖𝑐𝑡𝑒𝑑</m:t>
                         </m:r>
                         <m:r>
-                          <a:rPr lang="en-US" b="0" i="1" smtClean="0"/>
+                          <a:rPr lang="en-US" b="0" i="1" smtClean="0">
+                            <a:latin typeface="Cambria Math" panose="02040503050406030204" pitchFamily="18" charset="0"/>
+                          </a:rPr>
                           <m:t> </m:t>
                         </m:r>
                         <m:r>
-                          <a:rPr lang="en-US" b="0" i="1" smtClean="0"/>
+                          <a:rPr lang="en-US" b="0" i="1" smtClean="0">
+                            <a:latin typeface="Cambria Math" panose="02040503050406030204" pitchFamily="18" charset="0"/>
+                          </a:rPr>
                           <m:t>𝑎𝑠</m:t>
                         </m:r>
                         <m:r>
-                          <a:rPr lang="en-US" b="0" i="1" smtClean="0"/>
+                          <a:rPr lang="en-US" b="0" i="1" smtClean="0">
+                            <a:latin typeface="Cambria Math" panose="02040503050406030204" pitchFamily="18" charset="0"/>
+                          </a:rPr>
                           <m:t> </m:t>
                         </m:r>
                         <m:r>
-                          <a:rPr lang="en-US" b="0" i="1" smtClean="0"/>
+                          <a:rPr lang="en-US" b="0" i="1" smtClean="0">
+                            <a:latin typeface="Cambria Math" panose="02040503050406030204" pitchFamily="18" charset="0"/>
+                          </a:rPr>
                           <m:t>𝑆𝑝𝑎𝑚</m:t>
                         </m:r>
                         <m:r>
-                          <a:rPr lang="en-US" b="0" i="1" smtClean="0"/>
+                          <a:rPr lang="en-US" b="0" i="1" smtClean="0">
+                            <a:latin typeface="Cambria Math" panose="02040503050406030204" pitchFamily="18" charset="0"/>
+                          </a:rPr>
                           <m:t> </m:t>
                         </m:r>
                         <m:r>
-                          <a:rPr lang="en-US" b="0" i="1" smtClean="0"/>
+                          <a:rPr lang="en-US" b="0" i="1" smtClean="0">
+                            <a:latin typeface="Cambria Math" panose="02040503050406030204" pitchFamily="18" charset="0"/>
+                          </a:rPr>
                           <m:t>𝑐𝑜𝑟𝑟𝑒𝑐𝑡𝑙𝑦</m:t>
                         </m:r>
                         <m:r>
-                          <a:rPr lang="en-US" b="0" i="1" smtClean="0"/>
+                          <a:rPr lang="en-US" b="0" i="1" smtClean="0">
+                            <a:latin typeface="Cambria Math" panose="02040503050406030204" pitchFamily="18" charset="0"/>
+                          </a:rPr>
                           <m:t>)</m:t>
                         </m:r>
                       </m:num>
                       <m:den>
                         <m:r>
-                          <a:rPr lang="en-US" b="0" i="1" smtClean="0"/>
+                          <a:rPr lang="en-US" b="0" i="1" smtClean="0">
+                            <a:latin typeface="Cambria Math" panose="02040503050406030204" pitchFamily="18" charset="0"/>
+                          </a:rPr>
                           <m:t>#(</m:t>
                         </m:r>
                         <m:r>
-                          <a:rPr lang="en-US" b="0" i="1" smtClean="0"/>
+                          <a:rPr lang="en-US" b="0" i="1" smtClean="0">
+                            <a:latin typeface="Cambria Math" panose="02040503050406030204" pitchFamily="18" charset="0"/>
+                          </a:rPr>
                           <m:t>𝐴𝑐𝑡𝑢𝑎𝑙𝑙𝑦</m:t>
                         </m:r>
                         <m:r>
-                          <a:rPr lang="en-US" b="0" i="1" smtClean="0"/>
+                          <a:rPr lang="en-US" b="0" i="1" smtClean="0">
+                            <a:latin typeface="Cambria Math" panose="02040503050406030204" pitchFamily="18" charset="0"/>
+                          </a:rPr>
                           <m:t>  </m:t>
                         </m:r>
                         <m:r>
-                          <a:rPr lang="en-US" b="0" i="1" smtClean="0"/>
+                          <a:rPr lang="en-US" b="0" i="1" smtClean="0">
+                            <a:latin typeface="Cambria Math" panose="02040503050406030204" pitchFamily="18" charset="0"/>
+                          </a:rPr>
                           <m:t>𝑆𝑝𝑎𝑚</m:t>
                         </m:r>
                         <m:r>
-                          <a:rPr lang="en-US" b="0" i="1" smtClean="0"/>
+                          <a:rPr lang="en-US" b="0" i="1" smtClean="0">
+                            <a:latin typeface="Cambria Math" panose="02040503050406030204" pitchFamily="18" charset="0"/>
+                          </a:rPr>
                           <m:t>)</m:t>
                         </m:r>
                       </m:den>
@@ -11495,7 +11572,9 @@
                     <m:f>
                       <m:fPr>
                         <m:ctrlPr>
-                          <a:rPr lang="en-US" i="1"/>
+                          <a:rPr lang="en-US" i="1">
+                            <a:latin typeface="Cambria Math" panose="02040503050406030204" pitchFamily="18" charset="0"/>
+                          </a:rPr>
                         </m:ctrlPr>
                       </m:fPr>
                       <m:num>
@@ -11528,7 +11607,7 @@
             </p:txBody>
           </p:sp>
         </mc:Choice>
-        <mc:Fallback>
+        <mc:Fallback xmlns="">
           <p:sp>
             <p:nvSpPr>
               <p:cNvPr id="78" name="TextBox 77">
@@ -11662,7 +11741,7 @@
             <a:fld id="{C389EDC9-19E3-47AC-9C57-C6A24DEA81AD}" type="datetime1">
               <a:rPr lang="zh-TW" altLang="en-US" smtClean="0"/>
               <a:pPr/>
-              <a:t>2020/6/20</a:t>
+              <a:t>2020/6/21</a:t>
             </a:fld>
             <a:endParaRPr lang="zh-TW" altLang="en-US"/>
           </a:p>
@@ -11944,7 +12023,7 @@
         </p:spPr>
         <p:txBody>
           <a:bodyPr vert="horz" lIns="91440" tIns="45720" rIns="91440" bIns="45720" rtlCol="0" anchor="ctr">
-            <a:normAutofit fontScale="92500"/>
+            <a:normAutofit/>
           </a:bodyPr>
           <a:lstStyle/>
           <a:p>
@@ -11957,7 +12036,7 @@
               <a:rPr lang="en-US" sz="1600" dirty="0">
                 <a:hlinkClick r:id="rId2"/>
               </a:rPr>
-              <a:t>https://www.youtube.com/watch?v=PKEPmVn7sDM&amp;list=PL1w8k37X_6L-fBgXCiCsn6ugDsr1Nmfqk&amp;index=21</a:t>
+              <a:t>https://www.youtube.com/watch?v=bsv_pCFAAuQ&amp;list=PL1w8k37X_6L-fBgXCiCsn6ugDsr1Nmfqk&amp;index=22</a:t>
             </a:r>
             <a:endParaRPr lang="zh-TW" altLang="en-US" sz="1600" dirty="0"/>
           </a:p>
@@ -11981,7 +12060,7 @@
             <a:fld id="{A4F910E6-8D00-4BAF-8C48-9688E0B449D3}" type="datetime1">
               <a:rPr lang="zh-TW" altLang="en-US" smtClean="0"/>
               <a:pPr/>
-              <a:t>2020/6/20</a:t>
+              <a:t>2020/6/21</a:t>
             </a:fld>
             <a:endParaRPr lang="zh-TW" altLang="en-US"/>
           </a:p>
@@ -12780,8 +12859,8 @@
           </a:p>
         </p:txBody>
       </p:sp>
-      <mc:AlternateContent xmlns:mc="http://schemas.openxmlformats.org/markup-compatibility/2006">
-        <mc:Choice xmlns:a14="http://schemas.microsoft.com/office/drawing/2010/main" Requires="a14">
+      <mc:AlternateContent xmlns:mc="http://schemas.openxmlformats.org/markup-compatibility/2006" xmlns:a14="http://schemas.microsoft.com/office/drawing/2010/main">
+        <mc:Choice Requires="a14">
           <p:sp>
             <p:nvSpPr>
               <p:cNvPr id="18" name="TextBox 17">
@@ -12939,7 +13018,7 @@
             </p:txBody>
           </p:sp>
         </mc:Choice>
-        <mc:Fallback>
+        <mc:Fallback xmlns="">
           <p:sp>
             <p:nvSpPr>
               <p:cNvPr id="18" name="TextBox 17">
@@ -12989,8 +13068,8 @@
           </p:sp>
         </mc:Fallback>
       </mc:AlternateContent>
-      <mc:AlternateContent xmlns:mc="http://schemas.openxmlformats.org/markup-compatibility/2006">
-        <mc:Choice xmlns:a14="http://schemas.microsoft.com/office/drawing/2010/main" Requires="a14">
+      <mc:AlternateContent xmlns:mc="http://schemas.openxmlformats.org/markup-compatibility/2006" xmlns:a14="http://schemas.microsoft.com/office/drawing/2010/main">
+        <mc:Choice Requires="a14">
           <p:sp>
             <p:nvSpPr>
               <p:cNvPr id="19" name="TextBox 18">
@@ -13193,7 +13272,7 @@
             </p:txBody>
           </p:sp>
         </mc:Choice>
-        <mc:Fallback>
+        <mc:Fallback xmlns="">
           <p:sp>
             <p:nvSpPr>
               <p:cNvPr id="19" name="TextBox 18">
@@ -13243,8 +13322,8 @@
           </p:sp>
         </mc:Fallback>
       </mc:AlternateContent>
-      <mc:AlternateContent xmlns:mc="http://schemas.openxmlformats.org/markup-compatibility/2006">
-        <mc:Choice xmlns:a14="http://schemas.microsoft.com/office/drawing/2010/main" Requires="a14">
+      <mc:AlternateContent xmlns:mc="http://schemas.openxmlformats.org/markup-compatibility/2006" xmlns:a14="http://schemas.microsoft.com/office/drawing/2010/main">
+        <mc:Choice Requires="a14">
           <p:sp>
             <p:nvSpPr>
               <p:cNvPr id="20" name="TextBox 19">
@@ -13281,76 +13360,110 @@
                 <a14:m>
                   <m:oMath xmlns:m="http://schemas.openxmlformats.org/officeDocument/2006/math">
                     <m:r>
-                      <a:rPr lang="en-US" b="0" i="1" smtClean="0"/>
+                      <a:rPr lang="en-US" b="0" i="1" smtClean="0">
+                        <a:latin typeface="Cambria Math" panose="02040503050406030204" pitchFamily="18" charset="0"/>
+                      </a:rPr>
                       <m:t>𝑅𝑒𝑐𝑎𝑙𝑙</m:t>
                     </m:r>
                     <m:r>
-                      <a:rPr lang="en-US" i="1" smtClean="0"/>
+                      <a:rPr lang="en-US" i="1" smtClean="0">
+                        <a:latin typeface="Cambria Math" panose="02040503050406030204" pitchFamily="18" charset="0"/>
+                      </a:rPr>
                       <m:t>=</m:t>
                     </m:r>
                     <m:f>
                       <m:fPr>
                         <m:ctrlPr>
-                          <a:rPr lang="en-US" i="1" smtClean="0"/>
+                          <a:rPr lang="en-US" i="1" smtClean="0">
+                            <a:latin typeface="Cambria Math" panose="02040503050406030204" pitchFamily="18" charset="0"/>
+                          </a:rPr>
                         </m:ctrlPr>
                       </m:fPr>
                       <m:num>
                         <m:r>
-                          <a:rPr lang="en-US" b="0" i="1" smtClean="0"/>
+                          <a:rPr lang="en-US" b="0" i="1" smtClean="0">
+                            <a:latin typeface="Cambria Math" panose="02040503050406030204" pitchFamily="18" charset="0"/>
+                          </a:rPr>
                           <m:t>#(</m:t>
                         </m:r>
                         <m:r>
-                          <a:rPr lang="en-US" b="0" i="1" smtClean="0"/>
+                          <a:rPr lang="en-US" b="0" i="1" smtClean="0">
+                            <a:latin typeface="Cambria Math" panose="02040503050406030204" pitchFamily="18" charset="0"/>
+                          </a:rPr>
                           <m:t>𝑝𝑟𝑒𝑑𝑖𝑐𝑡𝑒𝑑</m:t>
                         </m:r>
                         <m:r>
-                          <a:rPr lang="en-US" b="0" i="1" smtClean="0"/>
+                          <a:rPr lang="en-US" b="0" i="1" smtClean="0">
+                            <a:latin typeface="Cambria Math" panose="02040503050406030204" pitchFamily="18" charset="0"/>
+                          </a:rPr>
                           <m:t> </m:t>
                         </m:r>
                         <m:r>
-                          <a:rPr lang="en-US" b="0" i="1" smtClean="0"/>
+                          <a:rPr lang="en-US" b="0" i="1" smtClean="0">
+                            <a:latin typeface="Cambria Math" panose="02040503050406030204" pitchFamily="18" charset="0"/>
+                          </a:rPr>
                           <m:t>𝑎𝑠</m:t>
                         </m:r>
                         <m:r>
-                          <a:rPr lang="en-US" b="0" i="1" smtClean="0"/>
+                          <a:rPr lang="en-US" b="0" i="1" smtClean="0">
+                            <a:latin typeface="Cambria Math" panose="02040503050406030204" pitchFamily="18" charset="0"/>
+                          </a:rPr>
                           <m:t> </m:t>
                         </m:r>
                         <m:r>
-                          <a:rPr lang="en-US" b="0" i="1" smtClean="0"/>
+                          <a:rPr lang="en-US" b="0" i="1" smtClean="0">
+                            <a:latin typeface="Cambria Math" panose="02040503050406030204" pitchFamily="18" charset="0"/>
+                          </a:rPr>
                           <m:t>𝑆𝑝𝑎𝑚</m:t>
                         </m:r>
                         <m:r>
-                          <a:rPr lang="en-US" b="0" i="1" smtClean="0"/>
+                          <a:rPr lang="en-US" b="0" i="1" smtClean="0">
+                            <a:latin typeface="Cambria Math" panose="02040503050406030204" pitchFamily="18" charset="0"/>
+                          </a:rPr>
                           <m:t> </m:t>
                         </m:r>
                         <m:r>
-                          <a:rPr lang="en-US" b="0" i="1" smtClean="0"/>
+                          <a:rPr lang="en-US" b="0" i="1" smtClean="0">
+                            <a:latin typeface="Cambria Math" panose="02040503050406030204" pitchFamily="18" charset="0"/>
+                          </a:rPr>
                           <m:t>𝑐𝑜𝑟𝑟𝑒𝑐𝑡𝑙𝑦</m:t>
                         </m:r>
                         <m:r>
-                          <a:rPr lang="en-US" b="0" i="1" smtClean="0"/>
+                          <a:rPr lang="en-US" b="0" i="1" smtClean="0">
+                            <a:latin typeface="Cambria Math" panose="02040503050406030204" pitchFamily="18" charset="0"/>
+                          </a:rPr>
                           <m:t>)</m:t>
                         </m:r>
                       </m:num>
                       <m:den>
                         <m:r>
-                          <a:rPr lang="en-US" b="0" i="1" smtClean="0"/>
+                          <a:rPr lang="en-US" b="0" i="1" smtClean="0">
+                            <a:latin typeface="Cambria Math" panose="02040503050406030204" pitchFamily="18" charset="0"/>
+                          </a:rPr>
                           <m:t>#(</m:t>
                         </m:r>
                         <m:r>
-                          <a:rPr lang="en-US" b="0" i="1" smtClean="0"/>
+                          <a:rPr lang="en-US" b="0" i="1" smtClean="0">
+                            <a:latin typeface="Cambria Math" panose="02040503050406030204" pitchFamily="18" charset="0"/>
+                          </a:rPr>
                           <m:t>𝐴𝑐𝑡𝑢𝑎𝑙𝑙𝑦</m:t>
                         </m:r>
                         <m:r>
-                          <a:rPr lang="en-US" b="0" i="1" smtClean="0"/>
+                          <a:rPr lang="en-US" b="0" i="1" smtClean="0">
+                            <a:latin typeface="Cambria Math" panose="02040503050406030204" pitchFamily="18" charset="0"/>
+                          </a:rPr>
                           <m:t>  </m:t>
                         </m:r>
                         <m:r>
-                          <a:rPr lang="en-US" b="0" i="1" smtClean="0"/>
+                          <a:rPr lang="en-US" b="0" i="1" smtClean="0">
+                            <a:latin typeface="Cambria Math" panose="02040503050406030204" pitchFamily="18" charset="0"/>
+                          </a:rPr>
                           <m:t>𝑆𝑝𝑎𝑚</m:t>
                         </m:r>
                         <m:r>
-                          <a:rPr lang="en-US" b="0" i="1" smtClean="0"/>
+                          <a:rPr lang="en-US" b="0" i="1" smtClean="0">
+                            <a:latin typeface="Cambria Math" panose="02040503050406030204" pitchFamily="18" charset="0"/>
+                          </a:rPr>
                           <m:t>)</m:t>
                         </m:r>
                       </m:den>
@@ -13366,7 +13479,9 @@
                     <m:f>
                       <m:fPr>
                         <m:ctrlPr>
-                          <a:rPr lang="en-US" i="1"/>
+                          <a:rPr lang="en-US" i="1">
+                            <a:latin typeface="Cambria Math" panose="02040503050406030204" pitchFamily="18" charset="0"/>
+                          </a:rPr>
                         </m:ctrlPr>
                       </m:fPr>
                       <m:num>
@@ -13399,7 +13514,7 @@
             </p:txBody>
           </p:sp>
         </mc:Choice>
-        <mc:Fallback>
+        <mc:Fallback xmlns="">
           <p:sp>
             <p:nvSpPr>
               <p:cNvPr id="20" name="TextBox 19">
@@ -13561,7 +13676,7 @@
             <a:fld id="{4E46BE27-E923-4EC2-B046-3272AE2A3E5C}" type="datetime1">
               <a:rPr lang="zh-TW" altLang="en-US" smtClean="0"/>
               <a:pPr/>
-              <a:t>2020/6/20</a:t>
+              <a:t>2020/6/21</a:t>
             </a:fld>
             <a:endParaRPr lang="zh-TW" altLang="en-US"/>
           </a:p>

--- a/22_EvaluationMetrics.pptx
+++ b/22_EvaluationMetrics.pptx
@@ -7572,8 +7572,8 @@
           </a:p>
         </p:txBody>
       </p:sp>
-      <mc:AlternateContent xmlns:mc="http://schemas.openxmlformats.org/markup-compatibility/2006" xmlns:a14="http://schemas.microsoft.com/office/drawing/2010/main">
-        <mc:Choice Requires="a14">
+      <mc:AlternateContent xmlns:mc="http://schemas.openxmlformats.org/markup-compatibility/2006">
+        <mc:Choice xmlns:a14="http://schemas.microsoft.com/office/drawing/2010/main" Requires="a14">
           <p:sp>
             <p:nvSpPr>
               <p:cNvPr id="7" name="TextBox 6">
@@ -7723,7 +7723,7 @@
             </p:txBody>
           </p:sp>
         </mc:Choice>
-        <mc:Fallback xmlns="">
+        <mc:Fallback>
           <p:sp>
             <p:nvSpPr>
               <p:cNvPr id="7" name="TextBox 6">
@@ -7768,8 +7768,8 @@
           </p:sp>
         </mc:Fallback>
       </mc:AlternateContent>
-      <mc:AlternateContent xmlns:mc="http://schemas.openxmlformats.org/markup-compatibility/2006" xmlns:a14="http://schemas.microsoft.com/office/drawing/2010/main">
-        <mc:Choice Requires="a14">
+      <mc:AlternateContent xmlns:mc="http://schemas.openxmlformats.org/markup-compatibility/2006">
+        <mc:Choice xmlns:a14="http://schemas.microsoft.com/office/drawing/2010/main" Requires="a14">
           <p:sp>
             <p:nvSpPr>
               <p:cNvPr id="21" name="TextBox 20">
@@ -7793,7 +7793,7 @@
               <a:noFill/>
             </p:spPr>
             <p:txBody>
-              <a:bodyPr wrap="none" lIns="0" tIns="0" rIns="0" bIns="0" rtlCol="0">
+              <a:bodyPr wrap="square" lIns="0" tIns="0" rIns="0" bIns="0" rtlCol="0">
                 <a:spAutoFit/>
               </a:bodyPr>
               <a:lstStyle/>
@@ -7961,7 +7961,7 @@
             </p:txBody>
           </p:sp>
         </mc:Choice>
-        <mc:Fallback xmlns="">
+        <mc:Fallback>
           <p:sp>
             <p:nvSpPr>
               <p:cNvPr id="21" name="TextBox 20">
@@ -8006,8 +8006,8 @@
           </p:sp>
         </mc:Fallback>
       </mc:AlternateContent>
-      <mc:AlternateContent xmlns:mc="http://schemas.openxmlformats.org/markup-compatibility/2006" xmlns:a14="http://schemas.microsoft.com/office/drawing/2010/main">
-        <mc:Choice Requires="a14">
+      <mc:AlternateContent xmlns:mc="http://schemas.openxmlformats.org/markup-compatibility/2006">
+        <mc:Choice xmlns:a14="http://schemas.microsoft.com/office/drawing/2010/main" Requires="a14">
           <p:sp>
             <p:nvSpPr>
               <p:cNvPr id="34" name="TextBox 33">
@@ -8023,7 +8023,7 @@
             <p:spPr>
               <a:xfrm>
                 <a:off x="508217" y="4743828"/>
-                <a:ext cx="3703743" cy="441211"/>
+                <a:ext cx="3919767" cy="441211"/>
               </a:xfrm>
               <a:prstGeom prst="rect">
                 <a:avLst/>
@@ -8187,7 +8187,7 @@
             </p:txBody>
           </p:sp>
         </mc:Choice>
-        <mc:Fallback xmlns="">
+        <mc:Fallback>
           <p:sp>
             <p:nvSpPr>
               <p:cNvPr id="34" name="TextBox 33">
@@ -8205,7 +8205,7 @@
             <p:spPr>
               <a:xfrm>
                 <a:off x="508217" y="4743828"/>
-                <a:ext cx="3703743" cy="441211"/>
+                <a:ext cx="3919767" cy="441211"/>
               </a:xfrm>
               <a:prstGeom prst="rect">
                 <a:avLst/>
@@ -8213,7 +8213,7 @@
               <a:blipFill>
                 <a:blip r:embed="rId5"/>
                 <a:stretch>
-                  <a:fillRect l="-2303" t="-2740" b="-17808"/>
+                  <a:fillRect l="-2177" t="-2740" b="-17808"/>
                 </a:stretch>
               </a:blipFill>
             </p:spPr>
